--- a/docs/presentation.pptx
+++ b/docs/presentation.pptx
@@ -229,7 +229,7 @@
           <a:p>
             <a:fld id="{F9B3CA73-2643-4D0E-8319-ED1F5F137E1B}" type="datetimeFigureOut">
               <a:rPr lang="ko-KR" altLang="en-US" smtClean="0"/>
-              <a:t>18-11-18</a:t>
+              <a:t>18-11-19</a:t>
             </a:fld>
             <a:endParaRPr lang="ko-KR" altLang="en-US"/>
           </a:p>
@@ -1075,7 +1075,7 @@
           <a:p>
             <a:fld id="{2FDD32F4-BA10-4E38-AF5F-9C7DD6C998C7}" type="datetime1">
               <a:rPr lang="ko-KR" altLang="en-US" smtClean="0"/>
-              <a:t>18-11-18</a:t>
+              <a:t>18-11-19</a:t>
             </a:fld>
             <a:endParaRPr lang="ko-KR" altLang="en-US"/>
           </a:p>
@@ -1277,7 +1277,7 @@
           <a:p>
             <a:fld id="{2249A942-35C7-41E6-8DAE-B654E89CE590}" type="datetime1">
               <a:rPr lang="ko-KR" altLang="en-US" smtClean="0"/>
-              <a:t>18-11-18</a:t>
+              <a:t>18-11-19</a:t>
             </a:fld>
             <a:endParaRPr lang="ko-KR" altLang="en-US"/>
           </a:p>
@@ -1489,7 +1489,7 @@
           <a:p>
             <a:fld id="{406E76E6-3574-485C-AB3F-4AA4AF80981B}" type="datetime1">
               <a:rPr lang="ko-KR" altLang="en-US" smtClean="0"/>
-              <a:t>18-11-18</a:t>
+              <a:t>18-11-19</a:t>
             </a:fld>
             <a:endParaRPr lang="ko-KR" altLang="en-US"/>
           </a:p>
@@ -1691,7 +1691,7 @@
           <a:p>
             <a:fld id="{9AF3786A-B416-4C10-B593-6F8F5355BEA1}" type="datetime1">
               <a:rPr lang="ko-KR" altLang="en-US" smtClean="0"/>
-              <a:t>18-11-18</a:t>
+              <a:t>18-11-19</a:t>
             </a:fld>
             <a:endParaRPr lang="ko-KR" altLang="en-US"/>
           </a:p>
@@ -1970,7 +1970,7 @@
           <a:p>
             <a:fld id="{5F3BF70F-C405-4BDE-9C3E-29CB9B1C85FA}" type="datetime1">
               <a:rPr lang="ko-KR" altLang="en-US" smtClean="0"/>
-              <a:t>18-11-18</a:t>
+              <a:t>18-11-19</a:t>
             </a:fld>
             <a:endParaRPr lang="ko-KR" altLang="en-US"/>
           </a:p>
@@ -2239,7 +2239,7 @@
           <a:p>
             <a:fld id="{FCBF0059-3466-410A-AE6E-8D58AF87190D}" type="datetime1">
               <a:rPr lang="ko-KR" altLang="en-US" smtClean="0"/>
-              <a:t>18-11-18</a:t>
+              <a:t>18-11-19</a:t>
             </a:fld>
             <a:endParaRPr lang="ko-KR" altLang="en-US"/>
           </a:p>
@@ -2655,7 +2655,7 @@
           <a:p>
             <a:fld id="{8AE37250-C4AB-4CF5-91B3-61F8439F34E7}" type="datetime1">
               <a:rPr lang="ko-KR" altLang="en-US" smtClean="0"/>
-              <a:t>18-11-18</a:t>
+              <a:t>18-11-19</a:t>
             </a:fld>
             <a:endParaRPr lang="ko-KR" altLang="en-US"/>
           </a:p>
@@ -2800,7 +2800,7 @@
           <a:p>
             <a:fld id="{496F67F3-2A08-40E9-A789-9DB06ED419C4}" type="datetime1">
               <a:rPr lang="ko-KR" altLang="en-US" smtClean="0"/>
-              <a:t>18-11-18</a:t>
+              <a:t>18-11-19</a:t>
             </a:fld>
             <a:endParaRPr lang="ko-KR" altLang="en-US"/>
           </a:p>
@@ -2917,7 +2917,7 @@
           <a:p>
             <a:fld id="{55CAACEE-C985-4B3A-8115-500E70C0FD25}" type="datetime1">
               <a:rPr lang="ko-KR" altLang="en-US" smtClean="0"/>
-              <a:t>18-11-18</a:t>
+              <a:t>18-11-19</a:t>
             </a:fld>
             <a:endParaRPr lang="ko-KR" altLang="en-US"/>
           </a:p>
@@ -3242,7 +3242,7 @@
           <a:p>
             <a:fld id="{C23080C1-AB66-4C58-B4CF-537C1F072B6E}" type="datetime1">
               <a:rPr lang="ko-KR" altLang="en-US" smtClean="0"/>
-              <a:t>18-11-18</a:t>
+              <a:t>18-11-19</a:t>
             </a:fld>
             <a:endParaRPr lang="ko-KR" altLang="en-US"/>
           </a:p>
@@ -3534,7 +3534,7 @@
           <a:p>
             <a:fld id="{5243D615-72BA-464F-BFA3-A0D754DED6BF}" type="datetime1">
               <a:rPr lang="ko-KR" altLang="en-US" smtClean="0"/>
-              <a:t>18-11-18</a:t>
+              <a:t>18-11-19</a:t>
             </a:fld>
             <a:endParaRPr lang="ko-KR" altLang="en-US"/>
           </a:p>
@@ -3779,7 +3779,7 @@
           <a:p>
             <a:fld id="{4B10C6B1-836C-4D33-A829-D80BB3CC8BD9}" type="datetime1">
               <a:rPr lang="ko-KR" altLang="en-US" smtClean="0"/>
-              <a:t>18-11-18</a:t>
+              <a:t>18-11-19</a:t>
             </a:fld>
             <a:endParaRPr lang="ko-KR" altLang="en-US"/>
           </a:p>
@@ -4244,10 +4244,10 @@
         </p:nvGrpSpPr>
         <p:grpSpPr>
           <a:xfrm>
-            <a:off x="4437184" y="2164224"/>
-            <a:ext cx="3317632" cy="2529552"/>
-            <a:chOff x="4437184" y="1468787"/>
-            <a:chExt cx="3317632" cy="2529552"/>
+            <a:off x="4068879" y="2164224"/>
+            <a:ext cx="4054251" cy="2529552"/>
+            <a:chOff x="4068879" y="1468787"/>
+            <a:chExt cx="4054251" cy="2529552"/>
           </a:xfrm>
         </p:grpSpPr>
         <p:grpSp>
@@ -4264,10 +4264,10 @@
           </p:nvGrpSpPr>
           <p:grpSpPr>
             <a:xfrm>
-              <a:off x="4437184" y="2859660"/>
-              <a:ext cx="3317632" cy="1138679"/>
-              <a:chOff x="4437184" y="2636401"/>
-              <a:chExt cx="3317632" cy="1138679"/>
+              <a:off x="4068879" y="2859660"/>
+              <a:ext cx="4054251" cy="1138679"/>
+              <a:chOff x="4068879" y="2636401"/>
+              <a:chExt cx="4054251" cy="1138679"/>
             </a:xfrm>
           </p:grpSpPr>
           <p:sp>
@@ -4284,8 +4284,8 @@
             </p:nvSpPr>
             <p:spPr>
               <a:xfrm>
-                <a:off x="4740918" y="3467303"/>
-                <a:ext cx="2710164" cy="307777"/>
+                <a:off x="4068879" y="3467303"/>
+                <a:ext cx="4054251" cy="307777"/>
               </a:xfrm>
               <a:prstGeom prst="rect">
                 <a:avLst/>
@@ -4304,7 +4304,35 @@
                     <a:latin typeface="SpoqaHanSans-Light" panose="020B0300000000000000" pitchFamily="50" charset="-127"/>
                     <a:ea typeface="SpoqaHanSans-Light" panose="020B0300000000000000" pitchFamily="50" charset="-127"/>
                   </a:rPr>
-                  <a:t>Kwon Bosung &amp; Kwon Taehoon</a:t>
+                  <a:t>Team,</a:t>
+                </a:r>
+                <a:r>
+                  <a:rPr lang="ko-KR" altLang="en-US" sz="1400">
+                    <a:latin typeface="SpoqaHanSans-Light" panose="020B0300000000000000" pitchFamily="50" charset="-127"/>
+                    <a:ea typeface="SpoqaHanSans-Light" panose="020B0300000000000000" pitchFamily="50" charset="-127"/>
+                  </a:rPr>
+                  <a:t> </a:t>
+                </a:r>
+                <a:r>
+                  <a:rPr lang="en-US" altLang="ko-KR" sz="1400">
+                    <a:latin typeface="SpoqaHanSans-Light" panose="020B0300000000000000" pitchFamily="50" charset="-127"/>
+                    <a:ea typeface="SpoqaHanSans-Light" panose="020B0300000000000000" pitchFamily="50" charset="-127"/>
+                  </a:rPr>
+                  <a:t>WEAVER</a:t>
+                </a:r>
+                <a:r>
+                  <a:rPr lang="ko-KR" altLang="en-US" sz="1400">
+                    <a:latin typeface="SpoqaHanSans-Light" panose="020B0300000000000000" pitchFamily="50" charset="-127"/>
+                    <a:ea typeface="SpoqaHanSans-Light" panose="020B0300000000000000" pitchFamily="50" charset="-127"/>
+                  </a:rPr>
+                  <a:t> </a:t>
+                </a:r>
+                <a:r>
+                  <a:rPr lang="en-US" altLang="ko-KR" sz="1400">
+                    <a:latin typeface="SpoqaHanSans-Light" panose="020B0300000000000000" pitchFamily="50" charset="-127"/>
+                    <a:ea typeface="SpoqaHanSans-Light" panose="020B0300000000000000" pitchFamily="50" charset="-127"/>
+                  </a:rPr>
+                  <a:t>(Kwon Bosung &amp; Kwon Taehoon)</a:t>
                 </a:r>
                 <a:endParaRPr lang="ko-KR" altLang="en-US" sz="1400">
                   <a:latin typeface="SpoqaHanSans-Light" panose="020B0300000000000000" pitchFamily="50" charset="-127"/>
